--- a/public/MEG_task/Stimuli/MEG_slides.pptx
+++ b/public/MEG_task/Stimuli/MEG_slides.pptx
@@ -2,7 +2,7 @@
 <file path=ppt/presentation.xml><?xml version="1.0" encoding="utf-8"?>
 <p:presentation xmlns:a="http://schemas.openxmlformats.org/drawingml/2006/main" xmlns:r="http://schemas.openxmlformats.org/officeDocument/2006/relationships" xmlns:p="http://schemas.openxmlformats.org/presentationml/2006/main" saveSubsetFonts="1">
   <p:sldMasterIdLst>
-    <p:sldMasterId id="2147483648" r:id="rId1"/>
+    <p:sldMasterId id="2147483684" r:id="rId1"/>
   </p:sldMasterIdLst>
   <p:sldIdLst>
     <p:sldId id="256" r:id="rId2"/>
@@ -11,13 +11,13 @@
     <p:sldId id="259" r:id="rId5"/>
     <p:sldId id="260" r:id="rId6"/>
   </p:sldIdLst>
-  <p:sldSz cx="12192000" cy="6858000"/>
+  <p:sldSz cx="9144000" cy="6858000" type="screen4x3"/>
   <p:notesSz cx="6858000" cy="9144000"/>
   <p:defaultTextStyle>
     <a:defPPr>
       <a:defRPr lang="en-US"/>
     </a:defPPr>
-    <a:lvl1pPr marL="0" algn="l" defTabSz="914400" rtl="0" eaLnBrk="1" latinLnBrk="0" hangingPunct="1">
+    <a:lvl1pPr marL="0" algn="l" defTabSz="457200" rtl="0" eaLnBrk="1" latinLnBrk="0" hangingPunct="1">
       <a:defRPr sz="1800" kern="1200">
         <a:solidFill>
           <a:schemeClr val="tx1"/>
@@ -27,7 +27,7 @@
         <a:cs typeface="+mn-cs"/>
       </a:defRPr>
     </a:lvl1pPr>
-    <a:lvl2pPr marL="457200" algn="l" defTabSz="914400" rtl="0" eaLnBrk="1" latinLnBrk="0" hangingPunct="1">
+    <a:lvl2pPr marL="457200" algn="l" defTabSz="457200" rtl="0" eaLnBrk="1" latinLnBrk="0" hangingPunct="1">
       <a:defRPr sz="1800" kern="1200">
         <a:solidFill>
           <a:schemeClr val="tx1"/>
@@ -37,7 +37,7 @@
         <a:cs typeface="+mn-cs"/>
       </a:defRPr>
     </a:lvl2pPr>
-    <a:lvl3pPr marL="914400" algn="l" defTabSz="914400" rtl="0" eaLnBrk="1" latinLnBrk="0" hangingPunct="1">
+    <a:lvl3pPr marL="914400" algn="l" defTabSz="457200" rtl="0" eaLnBrk="1" latinLnBrk="0" hangingPunct="1">
       <a:defRPr sz="1800" kern="1200">
         <a:solidFill>
           <a:schemeClr val="tx1"/>
@@ -47,7 +47,7 @@
         <a:cs typeface="+mn-cs"/>
       </a:defRPr>
     </a:lvl3pPr>
-    <a:lvl4pPr marL="1371600" algn="l" defTabSz="914400" rtl="0" eaLnBrk="1" latinLnBrk="0" hangingPunct="1">
+    <a:lvl4pPr marL="1371600" algn="l" defTabSz="457200" rtl="0" eaLnBrk="1" latinLnBrk="0" hangingPunct="1">
       <a:defRPr sz="1800" kern="1200">
         <a:solidFill>
           <a:schemeClr val="tx1"/>
@@ -57,7 +57,7 @@
         <a:cs typeface="+mn-cs"/>
       </a:defRPr>
     </a:lvl4pPr>
-    <a:lvl5pPr marL="1828800" algn="l" defTabSz="914400" rtl="0" eaLnBrk="1" latinLnBrk="0" hangingPunct="1">
+    <a:lvl5pPr marL="1828800" algn="l" defTabSz="457200" rtl="0" eaLnBrk="1" latinLnBrk="0" hangingPunct="1">
       <a:defRPr sz="1800" kern="1200">
         <a:solidFill>
           <a:schemeClr val="tx1"/>
@@ -67,7 +67,7 @@
         <a:cs typeface="+mn-cs"/>
       </a:defRPr>
     </a:lvl5pPr>
-    <a:lvl6pPr marL="2286000" algn="l" defTabSz="914400" rtl="0" eaLnBrk="1" latinLnBrk="0" hangingPunct="1">
+    <a:lvl6pPr marL="2286000" algn="l" defTabSz="457200" rtl="0" eaLnBrk="1" latinLnBrk="0" hangingPunct="1">
       <a:defRPr sz="1800" kern="1200">
         <a:solidFill>
           <a:schemeClr val="tx1"/>
@@ -77,7 +77,7 @@
         <a:cs typeface="+mn-cs"/>
       </a:defRPr>
     </a:lvl6pPr>
-    <a:lvl7pPr marL="2743200" algn="l" defTabSz="914400" rtl="0" eaLnBrk="1" latinLnBrk="0" hangingPunct="1">
+    <a:lvl7pPr marL="2743200" algn="l" defTabSz="457200" rtl="0" eaLnBrk="1" latinLnBrk="0" hangingPunct="1">
       <a:defRPr sz="1800" kern="1200">
         <a:solidFill>
           <a:schemeClr val="tx1"/>
@@ -87,7 +87,7 @@
         <a:cs typeface="+mn-cs"/>
       </a:defRPr>
     </a:lvl7pPr>
-    <a:lvl8pPr marL="3200400" algn="l" defTabSz="914400" rtl="0" eaLnBrk="1" latinLnBrk="0" hangingPunct="1">
+    <a:lvl8pPr marL="3200400" algn="l" defTabSz="457200" rtl="0" eaLnBrk="1" latinLnBrk="0" hangingPunct="1">
       <a:defRPr sz="1800" kern="1200">
         <a:solidFill>
           <a:schemeClr val="tx1"/>
@@ -97,7 +97,7 @@
         <a:cs typeface="+mn-cs"/>
       </a:defRPr>
     </a:lvl8pPr>
-    <a:lvl9pPr marL="3657600" algn="l" defTabSz="914400" rtl="0" eaLnBrk="1" latinLnBrk="0" hangingPunct="1">
+    <a:lvl9pPr marL="3657600" algn="l" defTabSz="457200" rtl="0" eaLnBrk="1" latinLnBrk="0" hangingPunct="1">
       <a:defRPr sz="1800" kern="1200">
         <a:solidFill>
           <a:schemeClr val="tx1"/>
@@ -108,6 +108,11 @@
       </a:defRPr>
     </a:lvl9pPr>
   </p:defaultTextStyle>
+  <p:extLst>
+    <p:ext uri="{EFAFB233-063F-42B5-8137-9DF3F51BA10A}">
+      <p15:sldGuideLst xmlns:p15="http://schemas.microsoft.com/office/powerpoint/2012/main"/>
+    </p:ext>
+  </p:extLst>
 </p:presentation>
 </file>
 
@@ -140,8 +145,8 @@
         </p:nvSpPr>
         <p:spPr>
           <a:xfrm>
-            <a:off x="1524000" y="1122363"/>
-            <a:ext cx="9144000" cy="2387600"/>
+            <a:off x="685800" y="1122363"/>
+            <a:ext cx="7772400" cy="2387600"/>
           </a:xfrm>
         </p:spPr>
         <p:txBody>
@@ -156,7 +161,7 @@
               <a:rPr lang="en-US" smtClean="0"/>
               <a:t>Click to edit Master title style</a:t>
             </a:r>
-            <a:endParaRPr lang="en-GB"/>
+            <a:endParaRPr lang="en-US" dirty="0"/>
           </a:p>
         </p:txBody>
       </p:sp>
@@ -172,8 +177,8 @@
         </p:nvSpPr>
         <p:spPr>
           <a:xfrm>
-            <a:off x="1524000" y="3602038"/>
-            <a:ext cx="9144000" cy="1655762"/>
+            <a:off x="1143000" y="3602038"/>
+            <a:ext cx="6858000" cy="1655762"/>
           </a:xfrm>
         </p:spPr>
         <p:txBody>
@@ -221,7 +226,7 @@
               <a:rPr lang="en-US" smtClean="0"/>
               <a:t>Click to edit Master subtitle style</a:t>
             </a:r>
-            <a:endParaRPr lang="en-GB"/>
+            <a:endParaRPr lang="en-US" dirty="0"/>
           </a:p>
         </p:txBody>
       </p:sp>
@@ -242,7 +247,7 @@
           <a:p>
             <a:fld id="{7BAD817C-F5A6-4179-89BB-D92A098D9A2C}" type="datetimeFigureOut">
               <a:rPr lang="en-GB" smtClean="0"/>
-              <a:t>20/10/2019</a:t>
+              <a:t>21/10/2019</a:t>
             </a:fld>
             <a:endParaRPr lang="en-GB"/>
           </a:p>
@@ -293,7 +298,7 @@
     </p:spTree>
     <p:extLst>
       <p:ext uri="{BB962C8B-B14F-4D97-AF65-F5344CB8AC3E}">
-        <p14:creationId xmlns:p14="http://schemas.microsoft.com/office/powerpoint/2010/main" val="3232714796"/>
+        <p14:creationId xmlns:p14="http://schemas.microsoft.com/office/powerpoint/2010/main" val="3774083149"/>
       </p:ext>
     </p:extLst>
   </p:cSld>
@@ -339,7 +344,7 @@
               <a:rPr lang="en-US" smtClean="0"/>
               <a:t>Click to edit Master title style</a:t>
             </a:r>
-            <a:endParaRPr lang="en-GB"/>
+            <a:endParaRPr lang="en-US" dirty="0"/>
           </a:p>
         </p:txBody>
       </p:sp>
@@ -391,7 +396,7 @@
               <a:rPr lang="en-US" smtClean="0"/>
               <a:t>Fifth level</a:t>
             </a:r>
-            <a:endParaRPr lang="en-GB"/>
+            <a:endParaRPr lang="en-US" dirty="0"/>
           </a:p>
         </p:txBody>
       </p:sp>
@@ -412,7 +417,7 @@
           <a:p>
             <a:fld id="{7BAD817C-F5A6-4179-89BB-D92A098D9A2C}" type="datetimeFigureOut">
               <a:rPr lang="en-GB" smtClean="0"/>
-              <a:t>20/10/2019</a:t>
+              <a:t>21/10/2019</a:t>
             </a:fld>
             <a:endParaRPr lang="en-GB"/>
           </a:p>
@@ -463,7 +468,7 @@
     </p:spTree>
     <p:extLst>
       <p:ext uri="{BB962C8B-B14F-4D97-AF65-F5344CB8AC3E}">
-        <p14:creationId xmlns:p14="http://schemas.microsoft.com/office/powerpoint/2010/main" val="4160124133"/>
+        <p14:creationId xmlns:p14="http://schemas.microsoft.com/office/powerpoint/2010/main" val="2241417899"/>
       </p:ext>
     </p:extLst>
   </p:cSld>
@@ -502,8 +507,8 @@
         </p:nvSpPr>
         <p:spPr>
           <a:xfrm>
-            <a:off x="8724900" y="365125"/>
-            <a:ext cx="2628900" cy="5811838"/>
+            <a:off x="6543675" y="365125"/>
+            <a:ext cx="1971675" cy="5811838"/>
           </a:xfrm>
         </p:spPr>
         <p:txBody>
@@ -514,7 +519,7 @@
               <a:rPr lang="en-US" smtClean="0"/>
               <a:t>Click to edit Master title style</a:t>
             </a:r>
-            <a:endParaRPr lang="en-GB"/>
+            <a:endParaRPr lang="en-US" dirty="0"/>
           </a:p>
         </p:txBody>
       </p:sp>
@@ -530,8 +535,8 @@
         </p:nvSpPr>
         <p:spPr>
           <a:xfrm>
-            <a:off x="838200" y="365125"/>
-            <a:ext cx="7734300" cy="5811838"/>
+            <a:off x="628650" y="365125"/>
+            <a:ext cx="5800725" cy="5811838"/>
           </a:xfrm>
         </p:spPr>
         <p:txBody>
@@ -571,7 +576,7 @@
               <a:rPr lang="en-US" smtClean="0"/>
               <a:t>Fifth level</a:t>
             </a:r>
-            <a:endParaRPr lang="en-GB"/>
+            <a:endParaRPr lang="en-US" dirty="0"/>
           </a:p>
         </p:txBody>
       </p:sp>
@@ -592,7 +597,7 @@
           <a:p>
             <a:fld id="{7BAD817C-F5A6-4179-89BB-D92A098D9A2C}" type="datetimeFigureOut">
               <a:rPr lang="en-GB" smtClean="0"/>
-              <a:t>20/10/2019</a:t>
+              <a:t>21/10/2019</a:t>
             </a:fld>
             <a:endParaRPr lang="en-GB"/>
           </a:p>
@@ -643,7 +648,7 @@
     </p:spTree>
     <p:extLst>
       <p:ext uri="{BB962C8B-B14F-4D97-AF65-F5344CB8AC3E}">
-        <p14:creationId xmlns:p14="http://schemas.microsoft.com/office/powerpoint/2010/main" val="3965299067"/>
+        <p14:creationId xmlns:p14="http://schemas.microsoft.com/office/powerpoint/2010/main" val="993092234"/>
       </p:ext>
     </p:extLst>
   </p:cSld>
@@ -689,7 +694,7 @@
               <a:rPr lang="en-US" smtClean="0"/>
               <a:t>Click to edit Master title style</a:t>
             </a:r>
-            <a:endParaRPr lang="en-GB"/>
+            <a:endParaRPr lang="en-US" dirty="0"/>
           </a:p>
         </p:txBody>
       </p:sp>
@@ -741,7 +746,7 @@
               <a:rPr lang="en-US" smtClean="0"/>
               <a:t>Fifth level</a:t>
             </a:r>
-            <a:endParaRPr lang="en-GB"/>
+            <a:endParaRPr lang="en-US" dirty="0"/>
           </a:p>
         </p:txBody>
       </p:sp>
@@ -762,7 +767,7 @@
           <a:p>
             <a:fld id="{7BAD817C-F5A6-4179-89BB-D92A098D9A2C}" type="datetimeFigureOut">
               <a:rPr lang="en-GB" smtClean="0"/>
-              <a:t>20/10/2019</a:t>
+              <a:t>21/10/2019</a:t>
             </a:fld>
             <a:endParaRPr lang="en-GB"/>
           </a:p>
@@ -813,7 +818,7 @@
     </p:spTree>
     <p:extLst>
       <p:ext uri="{BB962C8B-B14F-4D97-AF65-F5344CB8AC3E}">
-        <p14:creationId xmlns:p14="http://schemas.microsoft.com/office/powerpoint/2010/main" val="634220042"/>
+        <p14:creationId xmlns:p14="http://schemas.microsoft.com/office/powerpoint/2010/main" val="113351938"/>
       </p:ext>
     </p:extLst>
   </p:cSld>
@@ -852,8 +857,8 @@
         </p:nvSpPr>
         <p:spPr>
           <a:xfrm>
-            <a:off x="831850" y="1709738"/>
-            <a:ext cx="10515600" cy="2852737"/>
+            <a:off x="623888" y="1709739"/>
+            <a:ext cx="7886700" cy="2852737"/>
           </a:xfrm>
         </p:spPr>
         <p:txBody>
@@ -868,7 +873,7 @@
               <a:rPr lang="en-US" smtClean="0"/>
               <a:t>Click to edit Master title style</a:t>
             </a:r>
-            <a:endParaRPr lang="en-GB"/>
+            <a:endParaRPr lang="en-US" dirty="0"/>
           </a:p>
         </p:txBody>
       </p:sp>
@@ -884,8 +889,8 @@
         </p:nvSpPr>
         <p:spPr>
           <a:xfrm>
-            <a:off x="831850" y="4589463"/>
-            <a:ext cx="10515600" cy="1500187"/>
+            <a:off x="623888" y="4589464"/>
+            <a:ext cx="7886700" cy="1500187"/>
           </a:xfrm>
         </p:spPr>
         <p:txBody>
@@ -895,9 +900,7 @@
               <a:buNone/>
               <a:defRPr sz="2400">
                 <a:solidFill>
-                  <a:schemeClr val="tx1">
-                    <a:tint val="75000"/>
-                  </a:schemeClr>
+                  <a:schemeClr val="tx1"/>
                 </a:solidFill>
               </a:defRPr>
             </a:lvl1pPr>
@@ -1008,7 +1011,7 @@
           <a:p>
             <a:fld id="{7BAD817C-F5A6-4179-89BB-D92A098D9A2C}" type="datetimeFigureOut">
               <a:rPr lang="en-GB" smtClean="0"/>
-              <a:t>20/10/2019</a:t>
+              <a:t>21/10/2019</a:t>
             </a:fld>
             <a:endParaRPr lang="en-GB"/>
           </a:p>
@@ -1059,7 +1062,7 @@
     </p:spTree>
     <p:extLst>
       <p:ext uri="{BB962C8B-B14F-4D97-AF65-F5344CB8AC3E}">
-        <p14:creationId xmlns:p14="http://schemas.microsoft.com/office/powerpoint/2010/main" val="2203371489"/>
+        <p14:creationId xmlns:p14="http://schemas.microsoft.com/office/powerpoint/2010/main" val="1289912638"/>
       </p:ext>
     </p:extLst>
   </p:cSld>
@@ -1105,7 +1108,7 @@
               <a:rPr lang="en-US" smtClean="0"/>
               <a:t>Click to edit Master title style</a:t>
             </a:r>
-            <a:endParaRPr lang="en-GB"/>
+            <a:endParaRPr lang="en-US" dirty="0"/>
           </a:p>
         </p:txBody>
       </p:sp>
@@ -1121,8 +1124,8 @@
         </p:nvSpPr>
         <p:spPr>
           <a:xfrm>
-            <a:off x="838200" y="1825625"/>
-            <a:ext cx="5181600" cy="4351338"/>
+            <a:off x="628650" y="1825625"/>
+            <a:ext cx="3886200" cy="4351338"/>
           </a:xfrm>
         </p:spPr>
         <p:txBody>
@@ -1162,7 +1165,7 @@
               <a:rPr lang="en-US" smtClean="0"/>
               <a:t>Fifth level</a:t>
             </a:r>
-            <a:endParaRPr lang="en-GB"/>
+            <a:endParaRPr lang="en-US" dirty="0"/>
           </a:p>
         </p:txBody>
       </p:sp>
@@ -1178,8 +1181,8 @@
         </p:nvSpPr>
         <p:spPr>
           <a:xfrm>
-            <a:off x="6172200" y="1825625"/>
-            <a:ext cx="5181600" cy="4351338"/>
+            <a:off x="4629150" y="1825625"/>
+            <a:ext cx="3886200" cy="4351338"/>
           </a:xfrm>
         </p:spPr>
         <p:txBody>
@@ -1219,7 +1222,7 @@
               <a:rPr lang="en-US" smtClean="0"/>
               <a:t>Fifth level</a:t>
             </a:r>
-            <a:endParaRPr lang="en-GB"/>
+            <a:endParaRPr lang="en-US" dirty="0"/>
           </a:p>
         </p:txBody>
       </p:sp>
@@ -1240,7 +1243,7 @@
           <a:p>
             <a:fld id="{7BAD817C-F5A6-4179-89BB-D92A098D9A2C}" type="datetimeFigureOut">
               <a:rPr lang="en-GB" smtClean="0"/>
-              <a:t>20/10/2019</a:t>
+              <a:t>21/10/2019</a:t>
             </a:fld>
             <a:endParaRPr lang="en-GB"/>
           </a:p>
@@ -1291,7 +1294,7 @@
     </p:spTree>
     <p:extLst>
       <p:ext uri="{BB962C8B-B14F-4D97-AF65-F5344CB8AC3E}">
-        <p14:creationId xmlns:p14="http://schemas.microsoft.com/office/powerpoint/2010/main" val="2271935366"/>
+        <p14:creationId xmlns:p14="http://schemas.microsoft.com/office/powerpoint/2010/main" val="1987604268"/>
       </p:ext>
     </p:extLst>
   </p:cSld>
@@ -1330,8 +1333,8 @@
         </p:nvSpPr>
         <p:spPr>
           <a:xfrm>
-            <a:off x="839788" y="365125"/>
-            <a:ext cx="10515600" cy="1325563"/>
+            <a:off x="629841" y="365126"/>
+            <a:ext cx="7886700" cy="1325563"/>
           </a:xfrm>
         </p:spPr>
         <p:txBody>
@@ -1342,7 +1345,7 @@
               <a:rPr lang="en-US" smtClean="0"/>
               <a:t>Click to edit Master title style</a:t>
             </a:r>
-            <a:endParaRPr lang="en-GB"/>
+            <a:endParaRPr lang="en-US" dirty="0"/>
           </a:p>
         </p:txBody>
       </p:sp>
@@ -1358,8 +1361,8 @@
         </p:nvSpPr>
         <p:spPr>
           <a:xfrm>
-            <a:off x="839788" y="1681163"/>
-            <a:ext cx="5157787" cy="823912"/>
+            <a:off x="629842" y="1681163"/>
+            <a:ext cx="3868340" cy="823912"/>
           </a:xfrm>
         </p:spPr>
         <p:txBody>
@@ -1423,8 +1426,8 @@
         </p:nvSpPr>
         <p:spPr>
           <a:xfrm>
-            <a:off x="839788" y="2505075"/>
-            <a:ext cx="5157787" cy="3684588"/>
+            <a:off x="629842" y="2505075"/>
+            <a:ext cx="3868340" cy="3684588"/>
           </a:xfrm>
         </p:spPr>
         <p:txBody>
@@ -1464,7 +1467,7 @@
               <a:rPr lang="en-US" smtClean="0"/>
               <a:t>Fifth level</a:t>
             </a:r>
-            <a:endParaRPr lang="en-GB"/>
+            <a:endParaRPr lang="en-US" dirty="0"/>
           </a:p>
         </p:txBody>
       </p:sp>
@@ -1480,8 +1483,8 @@
         </p:nvSpPr>
         <p:spPr>
           <a:xfrm>
-            <a:off x="6172200" y="1681163"/>
-            <a:ext cx="5183188" cy="823912"/>
+            <a:off x="4629150" y="1681163"/>
+            <a:ext cx="3887391" cy="823912"/>
           </a:xfrm>
         </p:spPr>
         <p:txBody>
@@ -1545,8 +1548,8 @@
         </p:nvSpPr>
         <p:spPr>
           <a:xfrm>
-            <a:off x="6172200" y="2505075"/>
-            <a:ext cx="5183188" cy="3684588"/>
+            <a:off x="4629150" y="2505075"/>
+            <a:ext cx="3887391" cy="3684588"/>
           </a:xfrm>
         </p:spPr>
         <p:txBody>
@@ -1586,7 +1589,7 @@
               <a:rPr lang="en-US" smtClean="0"/>
               <a:t>Fifth level</a:t>
             </a:r>
-            <a:endParaRPr lang="en-GB"/>
+            <a:endParaRPr lang="en-US" dirty="0"/>
           </a:p>
         </p:txBody>
       </p:sp>
@@ -1607,7 +1610,7 @@
           <a:p>
             <a:fld id="{7BAD817C-F5A6-4179-89BB-D92A098D9A2C}" type="datetimeFigureOut">
               <a:rPr lang="en-GB" smtClean="0"/>
-              <a:t>20/10/2019</a:t>
+              <a:t>21/10/2019</a:t>
             </a:fld>
             <a:endParaRPr lang="en-GB"/>
           </a:p>
@@ -1658,7 +1661,7 @@
     </p:spTree>
     <p:extLst>
       <p:ext uri="{BB962C8B-B14F-4D97-AF65-F5344CB8AC3E}">
-        <p14:creationId xmlns:p14="http://schemas.microsoft.com/office/powerpoint/2010/main" val="2631412333"/>
+        <p14:creationId xmlns:p14="http://schemas.microsoft.com/office/powerpoint/2010/main" val="3228908723"/>
       </p:ext>
     </p:extLst>
   </p:cSld>
@@ -1704,7 +1707,7 @@
               <a:rPr lang="en-US" smtClean="0"/>
               <a:t>Click to edit Master title style</a:t>
             </a:r>
-            <a:endParaRPr lang="en-GB"/>
+            <a:endParaRPr lang="en-US" dirty="0"/>
           </a:p>
         </p:txBody>
       </p:sp>
@@ -1725,7 +1728,7 @@
           <a:p>
             <a:fld id="{7BAD817C-F5A6-4179-89BB-D92A098D9A2C}" type="datetimeFigureOut">
               <a:rPr lang="en-GB" smtClean="0"/>
-              <a:t>20/10/2019</a:t>
+              <a:t>21/10/2019</a:t>
             </a:fld>
             <a:endParaRPr lang="en-GB"/>
           </a:p>
@@ -1776,7 +1779,7 @@
     </p:spTree>
     <p:extLst>
       <p:ext uri="{BB962C8B-B14F-4D97-AF65-F5344CB8AC3E}">
-        <p14:creationId xmlns:p14="http://schemas.microsoft.com/office/powerpoint/2010/main" val="2410034349"/>
+        <p14:creationId xmlns:p14="http://schemas.microsoft.com/office/powerpoint/2010/main" val="3374941613"/>
       </p:ext>
     </p:extLst>
   </p:cSld>
@@ -1820,7 +1823,7 @@
           <a:p>
             <a:fld id="{7BAD817C-F5A6-4179-89BB-D92A098D9A2C}" type="datetimeFigureOut">
               <a:rPr lang="en-GB" smtClean="0"/>
-              <a:t>20/10/2019</a:t>
+              <a:t>21/10/2019</a:t>
             </a:fld>
             <a:endParaRPr lang="en-GB"/>
           </a:p>
@@ -1871,7 +1874,7 @@
     </p:spTree>
     <p:extLst>
       <p:ext uri="{BB962C8B-B14F-4D97-AF65-F5344CB8AC3E}">
-        <p14:creationId xmlns:p14="http://schemas.microsoft.com/office/powerpoint/2010/main" val="3439130851"/>
+        <p14:creationId xmlns:p14="http://schemas.microsoft.com/office/powerpoint/2010/main" val="2451315091"/>
       </p:ext>
     </p:extLst>
   </p:cSld>
@@ -1910,8 +1913,8 @@
         </p:nvSpPr>
         <p:spPr>
           <a:xfrm>
-            <a:off x="839788" y="457200"/>
-            <a:ext cx="3932237" cy="1600200"/>
+            <a:off x="629841" y="457200"/>
+            <a:ext cx="2949178" cy="1600200"/>
           </a:xfrm>
         </p:spPr>
         <p:txBody>
@@ -1926,7 +1929,7 @@
               <a:rPr lang="en-US" smtClean="0"/>
               <a:t>Click to edit Master title style</a:t>
             </a:r>
-            <a:endParaRPr lang="en-GB"/>
+            <a:endParaRPr lang="en-US" dirty="0"/>
           </a:p>
         </p:txBody>
       </p:sp>
@@ -1942,8 +1945,8 @@
         </p:nvSpPr>
         <p:spPr>
           <a:xfrm>
-            <a:off x="5183188" y="987425"/>
-            <a:ext cx="6172200" cy="4873625"/>
+            <a:off x="3887391" y="987426"/>
+            <a:ext cx="4629150" cy="4873625"/>
           </a:xfrm>
         </p:spPr>
         <p:txBody>
@@ -2011,7 +2014,7 @@
               <a:rPr lang="en-US" smtClean="0"/>
               <a:t>Fifth level</a:t>
             </a:r>
-            <a:endParaRPr lang="en-GB"/>
+            <a:endParaRPr lang="en-US" dirty="0"/>
           </a:p>
         </p:txBody>
       </p:sp>
@@ -2027,8 +2030,8 @@
         </p:nvSpPr>
         <p:spPr>
           <a:xfrm>
-            <a:off x="839788" y="2057400"/>
-            <a:ext cx="3932237" cy="3811588"/>
+            <a:off x="629841" y="2057400"/>
+            <a:ext cx="2949178" cy="3811588"/>
           </a:xfrm>
         </p:spPr>
         <p:txBody>
@@ -2097,7 +2100,7 @@
           <a:p>
             <a:fld id="{7BAD817C-F5A6-4179-89BB-D92A098D9A2C}" type="datetimeFigureOut">
               <a:rPr lang="en-GB" smtClean="0"/>
-              <a:t>20/10/2019</a:t>
+              <a:t>21/10/2019</a:t>
             </a:fld>
             <a:endParaRPr lang="en-GB"/>
           </a:p>
@@ -2148,7 +2151,7 @@
     </p:spTree>
     <p:extLst>
       <p:ext uri="{BB962C8B-B14F-4D97-AF65-F5344CB8AC3E}">
-        <p14:creationId xmlns:p14="http://schemas.microsoft.com/office/powerpoint/2010/main" val="3498579719"/>
+        <p14:creationId xmlns:p14="http://schemas.microsoft.com/office/powerpoint/2010/main" val="828247660"/>
       </p:ext>
     </p:extLst>
   </p:cSld>
@@ -2187,8 +2190,8 @@
         </p:nvSpPr>
         <p:spPr>
           <a:xfrm>
-            <a:off x="839788" y="457200"/>
-            <a:ext cx="3932237" cy="1600200"/>
+            <a:off x="629841" y="457200"/>
+            <a:ext cx="2949178" cy="1600200"/>
           </a:xfrm>
         </p:spPr>
         <p:txBody>
@@ -2203,7 +2206,7 @@
               <a:rPr lang="en-US" smtClean="0"/>
               <a:t>Click to edit Master title style</a:t>
             </a:r>
-            <a:endParaRPr lang="en-GB"/>
+            <a:endParaRPr lang="en-US" dirty="0"/>
           </a:p>
         </p:txBody>
       </p:sp>
@@ -2211,7 +2214,7 @@
         <p:nvSpPr>
           <p:cNvPr id="3" name="Picture Placeholder 2"/>
           <p:cNvSpPr>
-            <a:spLocks noGrp="1"/>
+            <a:spLocks noGrp="1" noChangeAspect="1"/>
           </p:cNvSpPr>
           <p:nvPr>
             <p:ph type="pic" idx="1"/>
@@ -2219,8 +2222,73 @@
         </p:nvSpPr>
         <p:spPr>
           <a:xfrm>
-            <a:off x="5183188" y="987425"/>
-            <a:ext cx="6172200" cy="4873625"/>
+            <a:off x="3887391" y="987426"/>
+            <a:ext cx="4629150" cy="4873625"/>
+          </a:xfrm>
+        </p:spPr>
+        <p:txBody>
+          <a:bodyPr anchor="t"/>
+          <a:lstStyle>
+            <a:lvl1pPr marL="0" indent="0">
+              <a:buNone/>
+              <a:defRPr sz="3200"/>
+            </a:lvl1pPr>
+            <a:lvl2pPr marL="457200" indent="0">
+              <a:buNone/>
+              <a:defRPr sz="2800"/>
+            </a:lvl2pPr>
+            <a:lvl3pPr marL="914400" indent="0">
+              <a:buNone/>
+              <a:defRPr sz="2400"/>
+            </a:lvl3pPr>
+            <a:lvl4pPr marL="1371600" indent="0">
+              <a:buNone/>
+              <a:defRPr sz="2000"/>
+            </a:lvl4pPr>
+            <a:lvl5pPr marL="1828800" indent="0">
+              <a:buNone/>
+              <a:defRPr sz="2000"/>
+            </a:lvl5pPr>
+            <a:lvl6pPr marL="2286000" indent="0">
+              <a:buNone/>
+              <a:defRPr sz="2000"/>
+            </a:lvl6pPr>
+            <a:lvl7pPr marL="2743200" indent="0">
+              <a:buNone/>
+              <a:defRPr sz="2000"/>
+            </a:lvl7pPr>
+            <a:lvl8pPr marL="3200400" indent="0">
+              <a:buNone/>
+              <a:defRPr sz="2000"/>
+            </a:lvl8pPr>
+            <a:lvl9pPr marL="3657600" indent="0">
+              <a:buNone/>
+              <a:defRPr sz="2000"/>
+            </a:lvl9pPr>
+          </a:lstStyle>
+          <a:p>
+            <a:r>
+              <a:rPr lang="en-US" smtClean="0"/>
+              <a:t>Click icon to add picture</a:t>
+            </a:r>
+            <a:endParaRPr lang="en-US" dirty="0"/>
+          </a:p>
+        </p:txBody>
+      </p:sp>
+      <p:sp>
+        <p:nvSpPr>
+          <p:cNvPr id="4" name="Text Placeholder 3"/>
+          <p:cNvSpPr>
+            <a:spLocks noGrp="1"/>
+          </p:cNvSpPr>
+          <p:nvPr>
+            <p:ph type="body" sz="half" idx="2"/>
+          </p:nvPr>
+        </p:nvSpPr>
+        <p:spPr>
+          <a:xfrm>
+            <a:off x="629841" y="2057400"/>
+            <a:ext cx="2949178" cy="3811588"/>
           </a:xfrm>
         </p:spPr>
         <p:txBody>
@@ -2228,67 +2296,6 @@
           <a:lstStyle>
             <a:lvl1pPr marL="0" indent="0">
               <a:buNone/>
-              <a:defRPr sz="3200"/>
-            </a:lvl1pPr>
-            <a:lvl2pPr marL="457200" indent="0">
-              <a:buNone/>
-              <a:defRPr sz="2800"/>
-            </a:lvl2pPr>
-            <a:lvl3pPr marL="914400" indent="0">
-              <a:buNone/>
-              <a:defRPr sz="2400"/>
-            </a:lvl3pPr>
-            <a:lvl4pPr marL="1371600" indent="0">
-              <a:buNone/>
-              <a:defRPr sz="2000"/>
-            </a:lvl4pPr>
-            <a:lvl5pPr marL="1828800" indent="0">
-              <a:buNone/>
-              <a:defRPr sz="2000"/>
-            </a:lvl5pPr>
-            <a:lvl6pPr marL="2286000" indent="0">
-              <a:buNone/>
-              <a:defRPr sz="2000"/>
-            </a:lvl6pPr>
-            <a:lvl7pPr marL="2743200" indent="0">
-              <a:buNone/>
-              <a:defRPr sz="2000"/>
-            </a:lvl7pPr>
-            <a:lvl8pPr marL="3200400" indent="0">
-              <a:buNone/>
-              <a:defRPr sz="2000"/>
-            </a:lvl8pPr>
-            <a:lvl9pPr marL="3657600" indent="0">
-              <a:buNone/>
-              <a:defRPr sz="2000"/>
-            </a:lvl9pPr>
-          </a:lstStyle>
-          <a:p>
-            <a:endParaRPr lang="en-GB"/>
-          </a:p>
-        </p:txBody>
-      </p:sp>
-      <p:sp>
-        <p:nvSpPr>
-          <p:cNvPr id="4" name="Text Placeholder 3"/>
-          <p:cNvSpPr>
-            <a:spLocks noGrp="1"/>
-          </p:cNvSpPr>
-          <p:nvPr>
-            <p:ph type="body" sz="half" idx="2"/>
-          </p:nvPr>
-        </p:nvSpPr>
-        <p:spPr>
-          <a:xfrm>
-            <a:off x="839788" y="2057400"/>
-            <a:ext cx="3932237" cy="3811588"/>
-          </a:xfrm>
-        </p:spPr>
-        <p:txBody>
-          <a:bodyPr/>
-          <a:lstStyle>
-            <a:lvl1pPr marL="0" indent="0">
-              <a:buNone/>
               <a:defRPr sz="1600"/>
             </a:lvl1pPr>
             <a:lvl2pPr marL="457200" indent="0">
@@ -2350,7 +2357,7 @@
           <a:p>
             <a:fld id="{7BAD817C-F5A6-4179-89BB-D92A098D9A2C}" type="datetimeFigureOut">
               <a:rPr lang="en-GB" smtClean="0"/>
-              <a:t>20/10/2019</a:t>
+              <a:t>21/10/2019</a:t>
             </a:fld>
             <a:endParaRPr lang="en-GB"/>
           </a:p>
@@ -2401,7 +2408,7 @@
     </p:spTree>
     <p:extLst>
       <p:ext uri="{BB962C8B-B14F-4D97-AF65-F5344CB8AC3E}">
-        <p14:creationId xmlns:p14="http://schemas.microsoft.com/office/powerpoint/2010/main" val="480932829"/>
+        <p14:creationId xmlns:p14="http://schemas.microsoft.com/office/powerpoint/2010/main" val="3084082364"/>
       </p:ext>
     </p:extLst>
   </p:cSld>
@@ -2445,8 +2452,8 @@
         </p:nvSpPr>
         <p:spPr>
           <a:xfrm>
-            <a:off x="838200" y="365125"/>
-            <a:ext cx="10515600" cy="1325563"/>
+            <a:off x="628650" y="365126"/>
+            <a:ext cx="7886700" cy="1325563"/>
           </a:xfrm>
           <a:prstGeom prst="rect">
             <a:avLst/>
@@ -2462,7 +2469,7 @@
               <a:rPr lang="en-US" smtClean="0"/>
               <a:t>Click to edit Master title style</a:t>
             </a:r>
-            <a:endParaRPr lang="en-GB"/>
+            <a:endParaRPr lang="en-US" dirty="0"/>
           </a:p>
         </p:txBody>
       </p:sp>
@@ -2478,8 +2485,8 @@
         </p:nvSpPr>
         <p:spPr>
           <a:xfrm>
-            <a:off x="838200" y="1825625"/>
-            <a:ext cx="10515600" cy="4351338"/>
+            <a:off x="628650" y="1825625"/>
+            <a:ext cx="7886700" cy="4351338"/>
           </a:xfrm>
           <a:prstGeom prst="rect">
             <a:avLst/>
@@ -2524,7 +2531,7 @@
               <a:rPr lang="en-US" smtClean="0"/>
               <a:t>Fifth level</a:t>
             </a:r>
-            <a:endParaRPr lang="en-GB"/>
+            <a:endParaRPr lang="en-US" dirty="0"/>
           </a:p>
         </p:txBody>
       </p:sp>
@@ -2540,8 +2547,8 @@
         </p:nvSpPr>
         <p:spPr>
           <a:xfrm>
-            <a:off x="838200" y="6356350"/>
-            <a:ext cx="2743200" cy="365125"/>
+            <a:off x="628650" y="6356351"/>
+            <a:ext cx="2057400" cy="365125"/>
           </a:xfrm>
           <a:prstGeom prst="rect">
             <a:avLst/>
@@ -2563,7 +2570,7 @@
           <a:p>
             <a:fld id="{7BAD817C-F5A6-4179-89BB-D92A098D9A2C}" type="datetimeFigureOut">
               <a:rPr lang="en-GB" smtClean="0"/>
-              <a:t>20/10/2019</a:t>
+              <a:t>21/10/2019</a:t>
             </a:fld>
             <a:endParaRPr lang="en-GB"/>
           </a:p>
@@ -2581,8 +2588,8 @@
         </p:nvSpPr>
         <p:spPr>
           <a:xfrm>
-            <a:off x="4038600" y="6356350"/>
-            <a:ext cx="4114800" cy="365125"/>
+            <a:off x="3028950" y="6356351"/>
+            <a:ext cx="3086100" cy="365125"/>
           </a:xfrm>
           <a:prstGeom prst="rect">
             <a:avLst/>
@@ -2618,8 +2625,8 @@
         </p:nvSpPr>
         <p:spPr>
           <a:xfrm>
-            <a:off x="8610600" y="6356350"/>
-            <a:ext cx="2743200" cy="365125"/>
+            <a:off x="6457950" y="6356351"/>
+            <a:ext cx="2057400" cy="365125"/>
           </a:xfrm>
           <a:prstGeom prst="rect">
             <a:avLst/>
@@ -2650,23 +2657,23 @@
     </p:spTree>
     <p:extLst>
       <p:ext uri="{BB962C8B-B14F-4D97-AF65-F5344CB8AC3E}">
-        <p14:creationId xmlns:p14="http://schemas.microsoft.com/office/powerpoint/2010/main" val="358579177"/>
+        <p14:creationId xmlns:p14="http://schemas.microsoft.com/office/powerpoint/2010/main" val="2610341538"/>
       </p:ext>
     </p:extLst>
   </p:cSld>
   <p:clrMap bg1="lt1" tx1="dk1" bg2="lt2" tx2="dk2" accent1="accent1" accent2="accent2" accent3="accent3" accent4="accent4" accent5="accent5" accent6="accent6" hlink="hlink" folHlink="folHlink"/>
   <p:sldLayoutIdLst>
-    <p:sldLayoutId id="2147483649" r:id="rId1"/>
-    <p:sldLayoutId id="2147483650" r:id="rId2"/>
-    <p:sldLayoutId id="2147483651" r:id="rId3"/>
-    <p:sldLayoutId id="2147483652" r:id="rId4"/>
-    <p:sldLayoutId id="2147483653" r:id="rId5"/>
-    <p:sldLayoutId id="2147483654" r:id="rId6"/>
-    <p:sldLayoutId id="2147483655" r:id="rId7"/>
-    <p:sldLayoutId id="2147483656" r:id="rId8"/>
-    <p:sldLayoutId id="2147483657" r:id="rId9"/>
-    <p:sldLayoutId id="2147483658" r:id="rId10"/>
-    <p:sldLayoutId id="2147483659" r:id="rId11"/>
+    <p:sldLayoutId id="2147483685" r:id="rId1"/>
+    <p:sldLayoutId id="2147483686" r:id="rId2"/>
+    <p:sldLayoutId id="2147483687" r:id="rId3"/>
+    <p:sldLayoutId id="2147483688" r:id="rId4"/>
+    <p:sldLayoutId id="2147483689" r:id="rId5"/>
+    <p:sldLayoutId id="2147483690" r:id="rId6"/>
+    <p:sldLayoutId id="2147483691" r:id="rId7"/>
+    <p:sldLayoutId id="2147483692" r:id="rId8"/>
+    <p:sldLayoutId id="2147483693" r:id="rId9"/>
+    <p:sldLayoutId id="2147483694" r:id="rId10"/>
+    <p:sldLayoutId id="2147483695" r:id="rId11"/>
   </p:sldLayoutIdLst>
   <p:txStyles>
     <p:titleStyle>
@@ -3055,13 +3062,13 @@
         </p:nvSpPr>
         <p:spPr>
           <a:xfrm>
-            <a:off x="1424634" y="387880"/>
-            <a:ext cx="10515600" cy="5826234"/>
+            <a:off x="552998" y="1148160"/>
+            <a:ext cx="7886700" cy="4369676"/>
           </a:xfrm>
         </p:spPr>
         <p:txBody>
           <a:bodyPr>
-            <a:normAutofit fontScale="85000" lnSpcReduction="20000"/>
+            <a:normAutofit fontScale="55000" lnSpcReduction="20000"/>
           </a:bodyPr>
           <a:lstStyle/>
           <a:p>
@@ -3127,8 +3134,8 @@
         </p:nvSpPr>
         <p:spPr>
           <a:xfrm>
-            <a:off x="1961836" y="2048179"/>
-            <a:ext cx="1512000" cy="828000"/>
+            <a:off x="1851765" y="2393384"/>
+            <a:ext cx="1134000" cy="621000"/>
           </a:xfrm>
           <a:prstGeom prst="rect">
             <a:avLst/>
@@ -3156,7 +3163,7 @@
           <a:lstStyle/>
           <a:p>
             <a:pPr algn="ctr"/>
-            <a:endParaRPr lang="en-GB"/>
+            <a:endParaRPr lang="en-GB" sz="1350"/>
           </a:p>
         </p:txBody>
       </p:sp>
@@ -3182,8 +3189,8 @@
         </p:blipFill>
         <p:spPr>
           <a:xfrm>
-            <a:off x="2056611" y="2114052"/>
-            <a:ext cx="684000" cy="684000"/>
+            <a:off x="1922846" y="2442789"/>
+            <a:ext cx="513000" cy="513000"/>
           </a:xfrm>
           <a:prstGeom prst="rect">
             <a:avLst/>
@@ -3198,8 +3205,8 @@
         </p:nvSpPr>
         <p:spPr>
           <a:xfrm>
-            <a:off x="3693563" y="2067444"/>
-            <a:ext cx="1512000" cy="828000"/>
+            <a:off x="3150560" y="2407833"/>
+            <a:ext cx="1134000" cy="621000"/>
           </a:xfrm>
           <a:prstGeom prst="rect">
             <a:avLst/>
@@ -3227,7 +3234,7 @@
           <a:lstStyle/>
           <a:p>
             <a:pPr algn="ctr"/>
-            <a:endParaRPr lang="en-GB"/>
+            <a:endParaRPr lang="en-GB" sz="1350"/>
           </a:p>
         </p:txBody>
       </p:sp>
@@ -3253,8 +3260,8 @@
         </p:blipFill>
         <p:spPr>
           <a:xfrm>
-            <a:off x="3794503" y="2136666"/>
-            <a:ext cx="684000" cy="684000"/>
+            <a:off x="3226265" y="2459750"/>
+            <a:ext cx="513000" cy="513000"/>
           </a:xfrm>
           <a:prstGeom prst="rect">
             <a:avLst/>
@@ -3269,8 +3276,8 @@
         </p:nvSpPr>
         <p:spPr>
           <a:xfrm>
-            <a:off x="2806496" y="2276708"/>
-            <a:ext cx="577929" cy="369332"/>
+            <a:off x="2485260" y="2564781"/>
+            <a:ext cx="433447" cy="300082"/>
           </a:xfrm>
           <a:prstGeom prst="rect">
             <a:avLst/>
@@ -3284,14 +3291,14 @@
           <a:lstStyle/>
           <a:p>
             <a:r>
-              <a:rPr lang="en-GB" dirty="0" smtClean="0">
+              <a:rPr lang="en-GB" sz="1350" dirty="0">
                 <a:solidFill>
                   <a:srgbClr val="FFFF00"/>
                 </a:solidFill>
               </a:rPr>
               <a:t>XX</a:t>
             </a:r>
-            <a:endParaRPr lang="en-GB" dirty="0">
+            <a:endParaRPr lang="en-GB" sz="1350" dirty="0">
               <a:solidFill>
                 <a:srgbClr val="FFFF00"/>
               </a:solidFill>
@@ -3307,8 +3314,8 @@
         </p:nvSpPr>
         <p:spPr>
           <a:xfrm>
-            <a:off x="4553464" y="2302504"/>
-            <a:ext cx="577929" cy="369332"/>
+            <a:off x="3795486" y="2584128"/>
+            <a:ext cx="433447" cy="300082"/>
           </a:xfrm>
           <a:prstGeom prst="rect">
             <a:avLst/>
@@ -3322,14 +3329,14 @@
           <a:lstStyle/>
           <a:p>
             <a:r>
-              <a:rPr lang="en-GB" dirty="0" smtClean="0">
+              <a:rPr lang="en-GB" sz="1350" dirty="0">
                 <a:solidFill>
                   <a:srgbClr val="FFFF00"/>
                 </a:solidFill>
               </a:rPr>
               <a:t>XX</a:t>
             </a:r>
-            <a:endParaRPr lang="en-GB" dirty="0">
+            <a:endParaRPr lang="en-GB" sz="1350" dirty="0">
               <a:solidFill>
                 <a:srgbClr val="FFFF00"/>
               </a:solidFill>
@@ -3345,8 +3352,8 @@
         </p:nvSpPr>
         <p:spPr>
           <a:xfrm>
-            <a:off x="1855692" y="1695010"/>
-            <a:ext cx="1603171" cy="369332"/>
+            <a:off x="1772157" y="2128507"/>
+            <a:ext cx="1454107" cy="300082"/>
           </a:xfrm>
           <a:prstGeom prst="rect">
             <a:avLst/>
@@ -3360,10 +3367,10 @@
           <a:lstStyle/>
           <a:p>
             <a:r>
-              <a:rPr lang="en-GB" dirty="0" smtClean="0"/>
+              <a:rPr lang="en-GB" sz="1350" dirty="0"/>
               <a:t>GIRL Banknote</a:t>
             </a:r>
-            <a:endParaRPr lang="en-GB" dirty="0"/>
+            <a:endParaRPr lang="en-GB" sz="1350" dirty="0"/>
           </a:p>
         </p:txBody>
       </p:sp>
@@ -3375,8 +3382,8 @@
         </p:nvSpPr>
         <p:spPr>
           <a:xfrm>
-            <a:off x="3472520" y="1677728"/>
-            <a:ext cx="1850065" cy="369332"/>
+            <a:off x="2984778" y="2115546"/>
+            <a:ext cx="1387549" cy="300082"/>
           </a:xfrm>
           <a:prstGeom prst="rect">
             <a:avLst/>
@@ -3390,10 +3397,10 @@
           <a:lstStyle/>
           <a:p>
             <a:r>
-              <a:rPr lang="en-GB" dirty="0" smtClean="0"/>
+              <a:rPr lang="en-GB" sz="1350" dirty="0"/>
               <a:t>HOUSE Banknote</a:t>
             </a:r>
-            <a:endParaRPr lang="en-GB" dirty="0"/>
+            <a:endParaRPr lang="en-GB" sz="1350" dirty="0"/>
           </a:p>
         </p:txBody>
       </p:sp>
@@ -3405,8 +3412,8 @@
         </p:nvSpPr>
         <p:spPr>
           <a:xfrm>
-            <a:off x="1865815" y="1453973"/>
-            <a:ext cx="1428661" cy="369332"/>
+            <a:off x="1765120" y="1838005"/>
+            <a:ext cx="1116909" cy="300082"/>
           </a:xfrm>
           <a:prstGeom prst="rect">
             <a:avLst/>
@@ -3419,14 +3426,14 @@
           <a:lstStyle/>
           <a:p>
             <a:r>
-              <a:rPr lang="en-GB" b="1" dirty="0" smtClean="0"/>
+              <a:rPr lang="en-GB" sz="1350" b="1" dirty="0"/>
               <a:t>BANKNOTES</a:t>
             </a:r>
             <a:r>
-              <a:rPr lang="en-GB" dirty="0" smtClean="0"/>
+              <a:rPr lang="en-GB" sz="1350" dirty="0"/>
               <a:t>:</a:t>
             </a:r>
-            <a:endParaRPr lang="en-GB" dirty="0"/>
+            <a:endParaRPr lang="en-GB" sz="1350" dirty="0"/>
           </a:p>
         </p:txBody>
       </p:sp>
@@ -3438,8 +3445,8 @@
         </p:nvSpPr>
         <p:spPr>
           <a:xfrm>
-            <a:off x="8396210" y="3808873"/>
-            <a:ext cx="1440000" cy="1440000"/>
+            <a:off x="6677546" y="3713905"/>
+            <a:ext cx="1080000" cy="1080000"/>
           </a:xfrm>
           <a:prstGeom prst="rect">
             <a:avLst/>
@@ -3467,7 +3474,7 @@
           <a:lstStyle/>
           <a:p>
             <a:pPr algn="ctr"/>
-            <a:endParaRPr lang="en-GB"/>
+            <a:endParaRPr lang="en-GB" sz="1350"/>
           </a:p>
         </p:txBody>
       </p:sp>
@@ -3493,8 +3500,8 @@
         </p:blipFill>
         <p:spPr>
           <a:xfrm>
-            <a:off x="8598285" y="3993625"/>
-            <a:ext cx="1082913" cy="1082913"/>
+            <a:off x="6829102" y="3852469"/>
+            <a:ext cx="812185" cy="812185"/>
           </a:xfrm>
           <a:prstGeom prst="rect">
             <a:avLst/>
@@ -3509,8 +3516,8 @@
         </p:nvSpPr>
         <p:spPr>
           <a:xfrm>
-            <a:off x="6650518" y="1959525"/>
-            <a:ext cx="1440000" cy="1440000"/>
+            <a:off x="5368277" y="2326894"/>
+            <a:ext cx="1080000" cy="1080000"/>
           </a:xfrm>
           <a:prstGeom prst="rect">
             <a:avLst/>
@@ -3538,7 +3545,7 @@
           <a:lstStyle/>
           <a:p>
             <a:pPr algn="ctr"/>
-            <a:endParaRPr lang="en-GB"/>
+            <a:endParaRPr lang="en-GB" sz="1350"/>
           </a:p>
         </p:txBody>
       </p:sp>
@@ -3564,8 +3571,8 @@
         </p:blipFill>
         <p:spPr>
           <a:xfrm>
-            <a:off x="6802390" y="2149192"/>
-            <a:ext cx="1080000" cy="1080000"/>
+            <a:off x="5482181" y="2469144"/>
+            <a:ext cx="810000" cy="810000"/>
           </a:xfrm>
           <a:prstGeom prst="rect">
             <a:avLst/>
@@ -3580,8 +3587,8 @@
         </p:nvSpPr>
         <p:spPr>
           <a:xfrm>
-            <a:off x="8402096" y="2010715"/>
-            <a:ext cx="1440000" cy="1440000"/>
+            <a:off x="6681960" y="2365286"/>
+            <a:ext cx="1080000" cy="1080000"/>
           </a:xfrm>
           <a:prstGeom prst="rect">
             <a:avLst/>
@@ -3609,7 +3616,7 @@
           <a:lstStyle/>
           <a:p>
             <a:pPr algn="ctr"/>
-            <a:endParaRPr lang="en-GB"/>
+            <a:endParaRPr lang="en-GB" sz="1350"/>
           </a:p>
         </p:txBody>
       </p:sp>
@@ -3635,8 +3642,8 @@
         </p:blipFill>
         <p:spPr>
           <a:xfrm>
-            <a:off x="8585790" y="2220997"/>
-            <a:ext cx="1080000" cy="1080000"/>
+            <a:off x="6819731" y="2522998"/>
+            <a:ext cx="810000" cy="810000"/>
           </a:xfrm>
           <a:prstGeom prst="rect">
             <a:avLst/>
@@ -3651,8 +3658,8 @@
         </p:nvSpPr>
         <p:spPr>
           <a:xfrm>
-            <a:off x="6741531" y="3824113"/>
-            <a:ext cx="1440000" cy="1440000"/>
+            <a:off x="5436536" y="3725335"/>
+            <a:ext cx="1080000" cy="1080000"/>
           </a:xfrm>
           <a:prstGeom prst="rect">
             <a:avLst/>
@@ -3680,7 +3687,7 @@
           <a:lstStyle/>
           <a:p>
             <a:pPr algn="ctr"/>
-            <a:endParaRPr lang="en-GB"/>
+            <a:endParaRPr lang="en-GB" sz="1350"/>
           </a:p>
         </p:txBody>
       </p:sp>
@@ -3706,8 +3713,8 @@
         </p:blipFill>
         <p:spPr>
           <a:xfrm>
-            <a:off x="6921531" y="4048563"/>
-            <a:ext cx="1080000" cy="1080000"/>
+            <a:off x="5571536" y="3893672"/>
+            <a:ext cx="810000" cy="810000"/>
           </a:xfrm>
           <a:prstGeom prst="rect">
             <a:avLst/>
@@ -3722,8 +3729,8 @@
         </p:nvSpPr>
         <p:spPr>
           <a:xfrm>
-            <a:off x="8424906" y="1532220"/>
-            <a:ext cx="1648793" cy="369332"/>
+            <a:off x="6699068" y="2006415"/>
+            <a:ext cx="1406174" cy="300082"/>
           </a:xfrm>
           <a:prstGeom prst="rect">
             <a:avLst/>
@@ -3737,14 +3744,10 @@
           <a:lstStyle/>
           <a:p>
             <a:r>
-              <a:rPr lang="en-GB" dirty="0" smtClean="0"/>
-              <a:t>HAND </a:t>
-            </a:r>
-            <a:r>
-              <a:rPr lang="en-GB" dirty="0" smtClean="0"/>
-              <a:t>Machine</a:t>
-            </a:r>
-            <a:endParaRPr lang="en-GB" dirty="0"/>
+              <a:rPr lang="en-GB" sz="1350" dirty="0"/>
+              <a:t>HAND Machine</a:t>
+            </a:r>
+            <a:endParaRPr lang="en-GB" sz="1350" dirty="0"/>
           </a:p>
         </p:txBody>
       </p:sp>
@@ -3756,8 +3759,8 @@
         </p:nvSpPr>
         <p:spPr>
           <a:xfrm>
-            <a:off x="6373987" y="1494047"/>
-            <a:ext cx="2304020" cy="369332"/>
+            <a:off x="5160878" y="1977785"/>
+            <a:ext cx="1728015" cy="300082"/>
           </a:xfrm>
           <a:prstGeom prst="rect">
             <a:avLst/>
@@ -3771,14 +3774,10 @@
           <a:lstStyle/>
           <a:p>
             <a:r>
-              <a:rPr lang="en-GB" dirty="0" smtClean="0"/>
-              <a:t>BUTTERFLY </a:t>
-            </a:r>
-            <a:r>
-              <a:rPr lang="en-GB" dirty="0" smtClean="0"/>
-              <a:t>Machine</a:t>
-            </a:r>
-            <a:endParaRPr lang="en-GB" dirty="0"/>
+              <a:rPr lang="en-GB" sz="1350" dirty="0"/>
+              <a:t>BUTTERFLY Machine</a:t>
+            </a:r>
+            <a:endParaRPr lang="en-GB" sz="1350" dirty="0"/>
           </a:p>
         </p:txBody>
       </p:sp>
@@ -3790,8 +3789,8 @@
         </p:nvSpPr>
         <p:spPr>
           <a:xfrm>
-            <a:off x="6675091" y="3375825"/>
-            <a:ext cx="2174237" cy="369332"/>
+            <a:off x="5386707" y="3389119"/>
+            <a:ext cx="1630678" cy="300082"/>
           </a:xfrm>
           <a:prstGeom prst="rect">
             <a:avLst/>
@@ -3805,10 +3804,10 @@
           <a:lstStyle/>
           <a:p>
             <a:r>
-              <a:rPr lang="en-GB" dirty="0" smtClean="0"/>
+              <a:rPr lang="en-GB" sz="1350" dirty="0"/>
               <a:t>ZEBRA Machine</a:t>
             </a:r>
-            <a:endParaRPr lang="en-GB" dirty="0"/>
+            <a:endParaRPr lang="en-GB" sz="1350" dirty="0"/>
           </a:p>
         </p:txBody>
       </p:sp>
@@ -3820,8 +3819,8 @@
         </p:nvSpPr>
         <p:spPr>
           <a:xfrm>
-            <a:off x="8451242" y="3419993"/>
-            <a:ext cx="2759299" cy="369332"/>
+            <a:off x="6718820" y="3422245"/>
+            <a:ext cx="2069474" cy="300082"/>
           </a:xfrm>
           <a:prstGeom prst="rect">
             <a:avLst/>
@@ -3835,14 +3834,10 @@
           <a:lstStyle/>
           <a:p>
             <a:r>
-              <a:rPr lang="en-GB" dirty="0" smtClean="0"/>
-              <a:t>PEPPER </a:t>
-            </a:r>
-            <a:r>
-              <a:rPr lang="en-GB" dirty="0" smtClean="0"/>
-              <a:t>Machine</a:t>
-            </a:r>
-            <a:endParaRPr lang="en-GB" dirty="0"/>
+              <a:rPr lang="en-GB" sz="1350" dirty="0"/>
+              <a:t>PEPPER Machine</a:t>
+            </a:r>
+            <a:endParaRPr lang="en-GB" sz="1350" dirty="0"/>
           </a:p>
         </p:txBody>
       </p:sp>
@@ -3854,8 +3849,8 @@
         </p:nvSpPr>
         <p:spPr>
           <a:xfrm>
-            <a:off x="6195844" y="1298168"/>
-            <a:ext cx="1805687" cy="369332"/>
+            <a:off x="5027271" y="1772356"/>
+            <a:ext cx="1398844" cy="300082"/>
           </a:xfrm>
           <a:prstGeom prst="rect">
             <a:avLst/>
@@ -3868,14 +3863,14 @@
           <a:lstStyle/>
           <a:p>
             <a:r>
-              <a:rPr lang="en-GB" b="1" dirty="0" smtClean="0"/>
+              <a:rPr lang="en-GB" sz="1350" b="1" dirty="0"/>
               <a:t>SLOT MACHINES</a:t>
             </a:r>
             <a:r>
-              <a:rPr lang="en-GB" dirty="0" smtClean="0"/>
+              <a:rPr lang="en-GB" sz="1350" dirty="0"/>
               <a:t>:</a:t>
             </a:r>
-            <a:endParaRPr lang="en-GB" dirty="0"/>
+            <a:endParaRPr lang="en-GB" sz="1350" dirty="0"/>
           </a:p>
         </p:txBody>
       </p:sp>
@@ -3887,8 +3882,8 @@
         </p:nvSpPr>
         <p:spPr>
           <a:xfrm>
-            <a:off x="2002799" y="3703066"/>
-            <a:ext cx="1512000" cy="828000"/>
+            <a:off x="1875172" y="3378522"/>
+            <a:ext cx="1134000" cy="621000"/>
           </a:xfrm>
           <a:prstGeom prst="rect">
             <a:avLst/>
@@ -3916,7 +3911,7 @@
           <a:lstStyle/>
           <a:p>
             <a:pPr algn="ctr"/>
-            <a:endParaRPr lang="en-GB"/>
+            <a:endParaRPr lang="en-GB" sz="1350"/>
           </a:p>
         </p:txBody>
       </p:sp>
@@ -3942,8 +3937,8 @@
         </p:blipFill>
         <p:spPr>
           <a:xfrm>
-            <a:off x="2125892" y="3779844"/>
-            <a:ext cx="684000" cy="684000"/>
+            <a:off x="1967492" y="3436105"/>
+            <a:ext cx="513000" cy="513000"/>
           </a:xfrm>
           <a:prstGeom prst="rect">
             <a:avLst/>
@@ -3958,8 +3953,8 @@
         </p:nvSpPr>
         <p:spPr>
           <a:xfrm>
-            <a:off x="2873381" y="3947717"/>
-            <a:ext cx="577929" cy="369332"/>
+            <a:off x="2528109" y="3562010"/>
+            <a:ext cx="433447" cy="300082"/>
           </a:xfrm>
           <a:prstGeom prst="rect">
             <a:avLst/>
@@ -3973,14 +3968,14 @@
           <a:lstStyle/>
           <a:p>
             <a:r>
-              <a:rPr lang="en-GB" dirty="0" smtClean="0">
+              <a:rPr lang="en-GB" sz="1350" dirty="0">
                 <a:solidFill>
                   <a:srgbClr val="FFFF00"/>
                 </a:solidFill>
               </a:rPr>
               <a:t>XX</a:t>
             </a:r>
-            <a:endParaRPr lang="en-GB" dirty="0">
+            <a:endParaRPr lang="en-GB" sz="1350" dirty="0">
               <a:solidFill>
                 <a:srgbClr val="FFFF00"/>
               </a:solidFill>
@@ -3996,8 +3991,8 @@
         </p:nvSpPr>
         <p:spPr>
           <a:xfrm>
-            <a:off x="1982908" y="3265986"/>
-            <a:ext cx="2153275" cy="369332"/>
+            <a:off x="1779790" y="3087286"/>
+            <a:ext cx="1614956" cy="300082"/>
           </a:xfrm>
           <a:prstGeom prst="rect">
             <a:avLst/>
@@ -4011,14 +4006,10 @@
           <a:lstStyle/>
           <a:p>
             <a:r>
-              <a:rPr lang="en-GB" dirty="0" smtClean="0"/>
-              <a:t>SCISSORS </a:t>
-            </a:r>
-            <a:r>
-              <a:rPr lang="en-GB" dirty="0" smtClean="0"/>
-              <a:t>Banknote</a:t>
-            </a:r>
-            <a:endParaRPr lang="en-GB" dirty="0"/>
+              <a:rPr lang="en-GB" sz="1350" dirty="0"/>
+              <a:t>SCISSORS Banknote</a:t>
+            </a:r>
+            <a:endParaRPr lang="en-GB" sz="1350" dirty="0"/>
           </a:p>
         </p:txBody>
       </p:sp>
@@ -4071,25 +4062,23 @@
         </p:nvSpPr>
         <p:spPr>
           <a:xfrm>
-            <a:off x="1521940" y="667265"/>
-            <a:ext cx="10515600" cy="5517936"/>
+            <a:off x="644022" y="1365014"/>
+            <a:ext cx="7886700" cy="4138452"/>
           </a:xfrm>
         </p:spPr>
         <p:txBody>
           <a:bodyPr>
-            <a:normAutofit fontScale="92500" lnSpcReduction="20000"/>
+            <a:normAutofit fontScale="62500" lnSpcReduction="20000"/>
           </a:bodyPr>
           <a:lstStyle/>
           <a:p>
             <a:r>
               <a:rPr lang="en-GB" dirty="0" smtClean="0"/>
-              <a:t>We will now start the first task. </a:t>
-            </a:r>
-          </a:p>
-          <a:p>
+              <a:t>For the first task, on </a:t>
+            </a:r>
             <a:r>
               <a:rPr lang="en-GB" dirty="0" smtClean="0"/>
-              <a:t>Here, on each trial, we will show you either one of the slot-machines or one of the banknotes.  </a:t>
+              <a:t>each trial, we will show you either one of the slot-machines or one of the banknotes.  </a:t>
             </a:r>
           </a:p>
           <a:p>
@@ -4119,8 +4108,13 @@
             </a:r>
             <a:r>
               <a:rPr lang="en-GB" dirty="0" smtClean="0"/>
-              <a:t>he LEFT or key 2 to select the name on the right</a:t>
-            </a:r>
+              <a:t>he LEFT or key 2 to select the name on the </a:t>
+            </a:r>
+            <a:r>
+              <a:rPr lang="en-GB" dirty="0" smtClean="0"/>
+              <a:t>right.</a:t>
+            </a:r>
+            <a:endParaRPr lang="en-GB" dirty="0" smtClean="0"/>
           </a:p>
           <a:p>
             <a:r>
@@ -4187,13 +4181,13 @@
         </p:nvSpPr>
         <p:spPr>
           <a:xfrm>
-            <a:off x="1817822" y="626884"/>
-            <a:ext cx="5952067" cy="5789785"/>
+            <a:off x="778152" y="1327413"/>
+            <a:ext cx="4464050" cy="4342339"/>
           </a:xfrm>
         </p:spPr>
         <p:txBody>
           <a:bodyPr>
-            <a:normAutofit lnSpcReduction="10000"/>
+            <a:normAutofit fontScale="70000" lnSpcReduction="20000"/>
           </a:bodyPr>
           <a:lstStyle/>
           <a:p>
@@ -4236,8 +4230,8 @@
         </p:nvSpPr>
         <p:spPr>
           <a:xfrm>
-            <a:off x="8480818" y="4528426"/>
-            <a:ext cx="1512000" cy="828000"/>
+            <a:off x="5775399" y="4253570"/>
+            <a:ext cx="1134000" cy="621000"/>
           </a:xfrm>
           <a:prstGeom prst="rect">
             <a:avLst/>
@@ -4265,7 +4259,7 @@
           <a:lstStyle/>
           <a:p>
             <a:pPr algn="ctr"/>
-            <a:endParaRPr lang="en-GB"/>
+            <a:endParaRPr lang="en-GB" sz="1350"/>
           </a:p>
         </p:txBody>
       </p:sp>
@@ -4291,8 +4285,8 @@
         </p:blipFill>
         <p:spPr>
           <a:xfrm>
-            <a:off x="8581758" y="4597648"/>
-            <a:ext cx="684000" cy="684000"/>
+            <a:off x="5851104" y="4305486"/>
+            <a:ext cx="513000" cy="513000"/>
           </a:xfrm>
           <a:prstGeom prst="rect">
             <a:avLst/>
@@ -4307,8 +4301,8 @@
         </p:nvSpPr>
         <p:spPr>
           <a:xfrm>
-            <a:off x="9340719" y="4763486"/>
-            <a:ext cx="577929" cy="369332"/>
+            <a:off x="6420325" y="4429864"/>
+            <a:ext cx="433447" cy="300082"/>
           </a:xfrm>
           <a:prstGeom prst="rect">
             <a:avLst/>
@@ -4322,14 +4316,14 @@
           <a:lstStyle/>
           <a:p>
             <a:r>
-              <a:rPr lang="en-GB" dirty="0" smtClean="0">
+              <a:rPr lang="en-GB" sz="1350" dirty="0">
                 <a:solidFill>
                   <a:srgbClr val="FFFF00"/>
                 </a:solidFill>
               </a:rPr>
               <a:t>XX</a:t>
             </a:r>
-            <a:endParaRPr lang="en-GB" dirty="0">
+            <a:endParaRPr lang="en-GB" sz="1350" dirty="0">
               <a:solidFill>
                 <a:srgbClr val="FFFF00"/>
               </a:solidFill>
@@ -4345,8 +4339,8 @@
         </p:nvSpPr>
         <p:spPr>
           <a:xfrm>
-            <a:off x="8130208" y="3642630"/>
-            <a:ext cx="1363578" cy="369332"/>
+            <a:off x="5512441" y="3589222"/>
+            <a:ext cx="1071960" cy="300082"/>
           </a:xfrm>
           <a:prstGeom prst="rect">
             <a:avLst/>
@@ -4359,18 +4353,18 @@
           <a:lstStyle/>
           <a:p>
             <a:r>
-              <a:rPr lang="en-GB" dirty="0" smtClean="0"/>
+              <a:rPr lang="en-GB" sz="1350" dirty="0"/>
               <a:t>If you </a:t>
             </a:r>
             <a:r>
-              <a:rPr lang="en-GB" b="1" dirty="0" smtClean="0"/>
+              <a:rPr lang="en-GB" sz="1350" b="1" dirty="0"/>
               <a:t>reject</a:t>
             </a:r>
             <a:r>
-              <a:rPr lang="en-GB" dirty="0" smtClean="0"/>
+              <a:rPr lang="en-GB" sz="1350" dirty="0"/>
               <a:t>:</a:t>
             </a:r>
-            <a:endParaRPr lang="en-GB" dirty="0"/>
+            <a:endParaRPr lang="en-GB" sz="1350" dirty="0"/>
           </a:p>
         </p:txBody>
       </p:sp>
@@ -4382,8 +4376,8 @@
         </p:nvSpPr>
         <p:spPr>
           <a:xfrm>
-            <a:off x="10101361" y="1761566"/>
-            <a:ext cx="1512000" cy="828000"/>
+            <a:off x="6990806" y="2178425"/>
+            <a:ext cx="1134000" cy="621000"/>
           </a:xfrm>
           <a:prstGeom prst="rect">
             <a:avLst/>
@@ -4411,7 +4405,7 @@
           <a:lstStyle/>
           <a:p>
             <a:pPr algn="ctr"/>
-            <a:endParaRPr lang="en-GB"/>
+            <a:endParaRPr lang="en-GB" sz="1350"/>
           </a:p>
         </p:txBody>
       </p:sp>
@@ -4423,8 +4417,8 @@
         </p:nvSpPr>
         <p:spPr>
           <a:xfrm>
-            <a:off x="8063857" y="1722965"/>
-            <a:ext cx="1512000" cy="828000"/>
+            <a:off x="5462678" y="2149474"/>
+            <a:ext cx="1134000" cy="621000"/>
           </a:xfrm>
           <a:prstGeom prst="rect">
             <a:avLst/>
@@ -4452,7 +4446,7 @@
           <a:lstStyle/>
           <a:p>
             <a:pPr algn="ctr"/>
-            <a:endParaRPr lang="en-GB"/>
+            <a:endParaRPr lang="en-GB" sz="1350"/>
           </a:p>
         </p:txBody>
       </p:sp>
@@ -4464,8 +4458,8 @@
         </p:nvSpPr>
         <p:spPr>
           <a:xfrm>
-            <a:off x="10988224" y="1990095"/>
-            <a:ext cx="577929" cy="369332"/>
+            <a:off x="7655953" y="2349821"/>
+            <a:ext cx="433447" cy="300082"/>
           </a:xfrm>
           <a:prstGeom prst="rect">
             <a:avLst/>
@@ -4479,14 +4473,14 @@
           <a:lstStyle/>
           <a:p>
             <a:r>
-              <a:rPr lang="en-GB" dirty="0" smtClean="0">
+              <a:rPr lang="en-GB" sz="1350" dirty="0">
                 <a:solidFill>
                   <a:srgbClr val="FFFF00"/>
                 </a:solidFill>
               </a:rPr>
               <a:t>XX</a:t>
             </a:r>
-            <a:endParaRPr lang="en-GB" dirty="0">
+            <a:endParaRPr lang="en-GB" sz="1350" dirty="0">
               <a:solidFill>
                 <a:srgbClr val="FFFF00"/>
               </a:solidFill>
@@ -4502,8 +4496,8 @@
         </p:nvSpPr>
         <p:spPr>
           <a:xfrm>
-            <a:off x="8923758" y="1958025"/>
-            <a:ext cx="577929" cy="369332"/>
+            <a:off x="6107604" y="2325769"/>
+            <a:ext cx="433447" cy="300082"/>
           </a:xfrm>
           <a:prstGeom prst="rect">
             <a:avLst/>
@@ -4517,14 +4511,14 @@
           <a:lstStyle/>
           <a:p>
             <a:r>
-              <a:rPr lang="en-GB" dirty="0" smtClean="0">
+              <a:rPr lang="en-GB" sz="1350" dirty="0">
                 <a:solidFill>
                   <a:srgbClr val="FFFF00"/>
                 </a:solidFill>
               </a:rPr>
               <a:t>XX</a:t>
             </a:r>
-            <a:endParaRPr lang="en-GB" dirty="0">
+            <a:endParaRPr lang="en-GB" sz="1350" dirty="0">
               <a:solidFill>
                 <a:srgbClr val="FFFF00"/>
               </a:solidFill>
@@ -4540,8 +4534,8 @@
         </p:nvSpPr>
         <p:spPr>
           <a:xfrm>
-            <a:off x="7944027" y="1328608"/>
-            <a:ext cx="1850065" cy="369332"/>
+            <a:off x="5372806" y="1853706"/>
+            <a:ext cx="1387549" cy="300082"/>
           </a:xfrm>
           <a:prstGeom prst="rect">
             <a:avLst/>
@@ -4555,10 +4549,10 @@
           <a:lstStyle/>
           <a:p>
             <a:r>
-              <a:rPr lang="en-GB" dirty="0" smtClean="0"/>
+              <a:rPr lang="en-GB" sz="1350" dirty="0"/>
               <a:t>GIRL Banknote</a:t>
             </a:r>
-            <a:endParaRPr lang="en-GB" dirty="0"/>
+            <a:endParaRPr lang="en-GB" sz="1350" dirty="0"/>
           </a:p>
         </p:txBody>
       </p:sp>
@@ -4584,8 +4578,8 @@
         </p:blipFill>
         <p:spPr>
           <a:xfrm>
-            <a:off x="10224454" y="1838344"/>
-            <a:ext cx="684000" cy="684000"/>
+            <a:off x="7083126" y="2236008"/>
+            <a:ext cx="513000" cy="513000"/>
           </a:xfrm>
           <a:prstGeom prst="rect">
             <a:avLst/>
@@ -4614,8 +4608,8 @@
         </p:blipFill>
         <p:spPr>
           <a:xfrm>
-            <a:off x="8165588" y="1787082"/>
-            <a:ext cx="684000" cy="684000"/>
+            <a:off x="5538976" y="2197562"/>
+            <a:ext cx="513000" cy="513000"/>
           </a:xfrm>
           <a:prstGeom prst="rect">
             <a:avLst/>
@@ -4630,8 +4624,8 @@
         </p:nvSpPr>
         <p:spPr>
           <a:xfrm>
-            <a:off x="7866575" y="995163"/>
-            <a:ext cx="1224566" cy="369332"/>
+            <a:off x="5314717" y="1603622"/>
+            <a:ext cx="963341" cy="300082"/>
           </a:xfrm>
           <a:prstGeom prst="rect">
             <a:avLst/>
@@ -4644,26 +4638,26 @@
           <a:lstStyle/>
           <a:p>
             <a:r>
-              <a:rPr lang="en-GB" dirty="0" smtClean="0"/>
+              <a:rPr lang="en-GB" sz="1350" dirty="0"/>
               <a:t>If </a:t>
             </a:r>
             <a:r>
-              <a:rPr lang="en-GB" dirty="0"/>
+              <a:rPr lang="en-GB" sz="1350" dirty="0"/>
               <a:t>you</a:t>
             </a:r>
             <a:r>
-              <a:rPr lang="en-GB" dirty="0" smtClean="0"/>
+              <a:rPr lang="en-GB" sz="1350" dirty="0"/>
               <a:t> </a:t>
             </a:r>
             <a:r>
-              <a:rPr lang="en-GB" b="1" dirty="0" smtClean="0"/>
+              <a:rPr lang="en-GB" sz="1350" b="1" dirty="0"/>
               <a:t>play</a:t>
             </a:r>
             <a:r>
-              <a:rPr lang="en-GB" dirty="0" smtClean="0"/>
+              <a:rPr lang="en-GB" sz="1350" dirty="0"/>
               <a:t>:</a:t>
             </a:r>
-            <a:endParaRPr lang="en-GB" dirty="0"/>
+            <a:endParaRPr lang="en-GB" sz="1350" dirty="0"/>
           </a:p>
         </p:txBody>
       </p:sp>
@@ -4675,8 +4669,8 @@
         </p:nvSpPr>
         <p:spPr>
           <a:xfrm>
-            <a:off x="9593755" y="1943673"/>
-            <a:ext cx="461986" cy="369332"/>
+            <a:off x="6610101" y="2315005"/>
+            <a:ext cx="394660" cy="300082"/>
           </a:xfrm>
           <a:prstGeom prst="rect">
             <a:avLst/>
@@ -4689,10 +4683,10 @@
           <a:lstStyle/>
           <a:p>
             <a:r>
-              <a:rPr lang="en-GB" dirty="0" smtClean="0"/>
+              <a:rPr lang="en-GB" sz="1350" dirty="0"/>
               <a:t>OR</a:t>
             </a:r>
-            <a:endParaRPr lang="en-GB" dirty="0"/>
+            <a:endParaRPr lang="en-GB" sz="1350" dirty="0"/>
           </a:p>
         </p:txBody>
       </p:sp>
@@ -4704,8 +4698,8 @@
         </p:nvSpPr>
         <p:spPr>
           <a:xfrm>
-            <a:off x="7769889" y="626884"/>
-            <a:ext cx="2331472" cy="369332"/>
+            <a:off x="5242202" y="1327413"/>
+            <a:ext cx="1795171" cy="300082"/>
           </a:xfrm>
           <a:prstGeom prst="rect">
             <a:avLst/>
@@ -4718,10 +4712,10 @@
           <a:lstStyle/>
           <a:p>
             <a:r>
-              <a:rPr lang="en-GB" b="1" dirty="0" smtClean="0"/>
+              <a:rPr lang="en-GB" sz="1350" b="1" dirty="0"/>
               <a:t>For each slot machine:</a:t>
             </a:r>
-            <a:endParaRPr lang="en-GB" b="1" dirty="0"/>
+            <a:endParaRPr lang="en-GB" sz="1350" b="1" dirty="0"/>
           </a:p>
         </p:txBody>
       </p:sp>
@@ -4733,8 +4727,8 @@
         </p:nvSpPr>
         <p:spPr>
           <a:xfrm>
-            <a:off x="8210858" y="2686129"/>
-            <a:ext cx="2971431" cy="923330"/>
+            <a:off x="5572929" y="2871847"/>
+            <a:ext cx="2228573" cy="715581"/>
           </a:xfrm>
           <a:prstGeom prst="rect">
             <a:avLst/>
@@ -4747,18 +4741,18 @@
           <a:lstStyle/>
           <a:p>
             <a:r>
-              <a:rPr lang="en-GB" dirty="0" smtClean="0"/>
+              <a:rPr lang="en-GB" sz="1350" dirty="0"/>
               <a:t>Chances of GIRL or SCISSORS depend on </a:t>
             </a:r>
             <a:r>
-              <a:rPr lang="en-GB" b="1" dirty="0" smtClean="0"/>
+              <a:rPr lang="en-GB" sz="1350" b="1" dirty="0"/>
               <a:t>which</a:t>
             </a:r>
             <a:r>
-              <a:rPr lang="en-GB" dirty="0" smtClean="0"/>
+              <a:rPr lang="en-GB" sz="1350" dirty="0"/>
               <a:t> slot machine is played.</a:t>
             </a:r>
-            <a:endParaRPr lang="en-GB" dirty="0"/>
+            <a:endParaRPr lang="en-GB" sz="1350" dirty="0"/>
           </a:p>
         </p:txBody>
       </p:sp>
@@ -4770,8 +4764,8 @@
         </p:nvSpPr>
         <p:spPr>
           <a:xfrm>
-            <a:off x="8137000" y="5530632"/>
-            <a:ext cx="3571615" cy="646331"/>
+            <a:off x="5517536" y="5005224"/>
+            <a:ext cx="2678711" cy="507831"/>
           </a:xfrm>
           <a:prstGeom prst="rect">
             <a:avLst/>
@@ -4784,10 +4778,10 @@
           <a:lstStyle/>
           <a:p>
             <a:r>
-              <a:rPr lang="en-GB" dirty="0" smtClean="0"/>
+              <a:rPr lang="en-GB" sz="1350" dirty="0"/>
               <a:t>Rejecting always leads to the HOUSE banknote.</a:t>
             </a:r>
-            <a:endParaRPr lang="en-GB" dirty="0"/>
+            <a:endParaRPr lang="en-GB" sz="1350" dirty="0"/>
           </a:p>
         </p:txBody>
       </p:sp>
@@ -4799,8 +4793,8 @@
         </p:nvSpPr>
         <p:spPr>
           <a:xfrm>
-            <a:off x="8340725" y="4041564"/>
-            <a:ext cx="1850065" cy="369332"/>
+            <a:off x="5670329" y="3888423"/>
+            <a:ext cx="1387549" cy="300082"/>
           </a:xfrm>
           <a:prstGeom prst="rect">
             <a:avLst/>
@@ -4814,10 +4808,10 @@
           <a:lstStyle/>
           <a:p>
             <a:r>
-              <a:rPr lang="en-GB" dirty="0" smtClean="0"/>
+              <a:rPr lang="en-GB" sz="1350" dirty="0"/>
               <a:t>HOUSE Banknote</a:t>
             </a:r>
-            <a:endParaRPr lang="en-GB" dirty="0"/>
+            <a:endParaRPr lang="en-GB" sz="1350" dirty="0"/>
           </a:p>
         </p:txBody>
       </p:sp>
@@ -4863,51 +4857,53 @@
         </p:nvSpPr>
         <p:spPr>
           <a:xfrm>
-            <a:off x="838200" y="474133"/>
-            <a:ext cx="10515600" cy="5702830"/>
-          </a:xfrm>
-        </p:spPr>
-        <p:txBody>
-          <a:bodyPr/>
-          <a:lstStyle/>
-          <a:p>
-            <a:r>
-              <a:rPr lang="en-GB" dirty="0" smtClean="0"/>
+            <a:off x="628650" y="1212850"/>
+            <a:ext cx="7886700" cy="4277123"/>
+          </a:xfrm>
+        </p:spPr>
+        <p:txBody>
+          <a:bodyPr>
+            <a:normAutofit/>
+          </a:bodyPr>
+          <a:lstStyle/>
+          <a:p>
+            <a:r>
+              <a:rPr lang="en-GB" sz="2000" dirty="0" smtClean="0"/>
               <a:t>Great work. We’ll now continue onto the main task.</a:t>
             </a:r>
           </a:p>
           <a:p>
             <a:r>
-              <a:rPr lang="en-GB" dirty="0" smtClean="0"/>
+              <a:rPr lang="en-GB" sz="2000" dirty="0" smtClean="0"/>
               <a:t>The task will consist of 8 rounds, each lasting about 7 minutes.</a:t>
             </a:r>
           </a:p>
           <a:p>
             <a:r>
-              <a:rPr lang="en-GB" dirty="0" smtClean="0"/>
+              <a:rPr lang="en-GB" sz="2000" dirty="0" smtClean="0"/>
               <a:t>For each game, remember to press </a:t>
             </a:r>
             <a:r>
-              <a:rPr lang="en-GB" dirty="0"/>
+              <a:rPr lang="en-GB" sz="2000" dirty="0"/>
               <a:t>‘1’ to play the slot machine or ‘2’ to reject it. </a:t>
             </a:r>
-            <a:endParaRPr lang="en-GB" dirty="0" smtClean="0"/>
-          </a:p>
-          <a:p>
-            <a:r>
-              <a:rPr lang="en-GB" dirty="0" smtClean="0"/>
+            <a:endParaRPr lang="en-GB" sz="2000" dirty="0" smtClean="0"/>
+          </a:p>
+          <a:p>
+            <a:r>
+              <a:rPr lang="en-GB" sz="2000" dirty="0" smtClean="0"/>
               <a:t>Try to make decisions that will collect the greatest positive points and the fewest negative points.</a:t>
             </a:r>
           </a:p>
           <a:p>
             <a:r>
-              <a:rPr lang="en-GB" dirty="0" smtClean="0"/>
+              <a:rPr lang="en-GB" sz="2000" dirty="0" smtClean="0"/>
               <a:t>Press 4 when you are ready to begin the first round.</a:t>
             </a:r>
-            <a:endParaRPr lang="en-GB" dirty="0"/>
-          </a:p>
-          <a:p>
-            <a:endParaRPr lang="en-GB" dirty="0"/>
+            <a:endParaRPr lang="en-GB" sz="2000" dirty="0"/>
+          </a:p>
+          <a:p>
+            <a:endParaRPr lang="en-GB" sz="2000" dirty="0"/>
           </a:p>
         </p:txBody>
       </p:sp>
@@ -4927,7 +4923,7 @@
 <file path=ppt/theme/theme1.xml><?xml version="1.0" encoding="utf-8"?>
 <a:theme xmlns:a="http://schemas.openxmlformats.org/drawingml/2006/main" name="Office Theme">
   <a:themeElements>
-    <a:clrScheme name="Office">
+    <a:clrScheme name="Office Theme">
       <a:dk1>
         <a:sysClr val="windowText" lastClr="000000"/>
       </a:dk1>
@@ -4965,7 +4961,7 @@
         <a:srgbClr val="954F72"/>
       </a:folHlink>
     </a:clrScheme>
-    <a:fontScheme name="Office">
+    <a:fontScheme name="Office Theme">
       <a:majorFont>
         <a:latin typeface="Calibri Light" panose="020F0302020204030204"/>
         <a:ea typeface=""/>
@@ -5037,7 +5033,7 @@
         <a:font script="Geor" typeface="Sylfaen"/>
       </a:minorFont>
     </a:fontScheme>
-    <a:fmtScheme name="Office">
+    <a:fmtScheme name="Office Theme">
       <a:fillStyleLst>
         <a:solidFill>
           <a:schemeClr val="phClr"/>
